--- a/ppt 16-9/1393.主的新命令.pptx
+++ b/ppt 16-9/1393.主的新命令.pptx
@@ -5,7 +5,7 @@
     <p:sldMasterId id="2147483648" r:id="rId1"/>
   </p:sldMasterIdLst>
   <p:sldIdLst>
-    <p:sldId id="963" r:id="rId2"/>
+    <p:sldId id="965" r:id="rId2"/>
   </p:sldIdLst>
   <p:sldSz cx="12192000" cy="6858000"/>
   <p:notesSz cx="6858000" cy="9144000"/>
@@ -129,7 +129,7 @@
           <p:cNvPr id="2" name="标题 1">
             <a:extLst>
               <a:ext uri="{FF2B5EF4-FFF2-40B4-BE49-F238E27FC236}">
-                <a16:creationId xmlns:a16="http://schemas.microsoft.com/office/drawing/2014/main" id="{D7BD6782-F7D1-7A9F-4CC8-F73AC19F43C3}"/>
+                <a16:creationId xmlns:a16="http://schemas.microsoft.com/office/drawing/2014/main" id="{86CF54F0-676B-DCA1-C49C-190FC3A01070}"/>
               </a:ext>
             </a:extLst>
           </p:cNvPr>
@@ -166,7 +166,7 @@
           <p:cNvPr id="3" name="副标题 2">
             <a:extLst>
               <a:ext uri="{FF2B5EF4-FFF2-40B4-BE49-F238E27FC236}">
-                <a16:creationId xmlns:a16="http://schemas.microsoft.com/office/drawing/2014/main" id="{AD981F3F-93CB-CCEF-452F-D5C2DD9C6B3A}"/>
+                <a16:creationId xmlns:a16="http://schemas.microsoft.com/office/drawing/2014/main" id="{11F26AE3-6202-0B71-76B0-7ED990F21333}"/>
               </a:ext>
             </a:extLst>
           </p:cNvPr>
@@ -236,7 +236,7 @@
           <p:cNvPr id="4" name="日期占位符 3">
             <a:extLst>
               <a:ext uri="{FF2B5EF4-FFF2-40B4-BE49-F238E27FC236}">
-                <a16:creationId xmlns:a16="http://schemas.microsoft.com/office/drawing/2014/main" id="{C36A785B-6A8F-BCD7-EEAA-7A52888B5A9F}"/>
+                <a16:creationId xmlns:a16="http://schemas.microsoft.com/office/drawing/2014/main" id="{03029829-0D59-2AD8-3321-8AE211194048}"/>
               </a:ext>
             </a:extLst>
           </p:cNvPr>
@@ -252,7 +252,7 @@
           <a:bodyPr/>
           <a:lstStyle/>
           <a:p>
-            <a:fld id="{17309549-A48A-46D3-AC66-5E791C29B253}" type="datetimeFigureOut">
+            <a:fld id="{DB4B7509-CB73-44FC-A0CD-3123838949C9}" type="datetimeFigureOut">
               <a:rPr lang="zh-CN" altLang="en-US" smtClean="0"/>
               <a:t>2024/3/10</a:t>
             </a:fld>
@@ -265,7 +265,7 @@
           <p:cNvPr id="5" name="页脚占位符 4">
             <a:extLst>
               <a:ext uri="{FF2B5EF4-FFF2-40B4-BE49-F238E27FC236}">
-                <a16:creationId xmlns:a16="http://schemas.microsoft.com/office/drawing/2014/main" id="{3D91CCE3-FF48-F1CD-0A33-D1BBD935DD26}"/>
+                <a16:creationId xmlns:a16="http://schemas.microsoft.com/office/drawing/2014/main" id="{29E5488D-AE7F-9416-82FB-31361F8698EB}"/>
               </a:ext>
             </a:extLst>
           </p:cNvPr>
@@ -290,7 +290,7 @@
           <p:cNvPr id="6" name="灯片编号占位符 5">
             <a:extLst>
               <a:ext uri="{FF2B5EF4-FFF2-40B4-BE49-F238E27FC236}">
-                <a16:creationId xmlns:a16="http://schemas.microsoft.com/office/drawing/2014/main" id="{2C622735-EE53-0586-AA76-B3B71804173C}"/>
+                <a16:creationId xmlns:a16="http://schemas.microsoft.com/office/drawing/2014/main" id="{FA1C7EF5-E924-5F64-DC70-066E99133120}"/>
               </a:ext>
             </a:extLst>
           </p:cNvPr>
@@ -306,7 +306,7 @@
           <a:bodyPr/>
           <a:lstStyle/>
           <a:p>
-            <a:fld id="{E5F029BB-4562-4F41-8326-2234733A5676}" type="slidenum">
+            <a:fld id="{088016DA-C30C-4F99-A0F6-ACB817C6A9B5}" type="slidenum">
               <a:rPr lang="zh-CN" altLang="en-US" smtClean="0"/>
               <a:t>‹#›</a:t>
             </a:fld>
@@ -317,7 +317,7 @@
     </p:spTree>
     <p:extLst>
       <p:ext uri="{BB962C8B-B14F-4D97-AF65-F5344CB8AC3E}">
-        <p14:creationId xmlns:p14="http://schemas.microsoft.com/office/powerpoint/2010/main" val="4056406340"/>
+        <p14:creationId xmlns:p14="http://schemas.microsoft.com/office/powerpoint/2010/main" val="2461067456"/>
       </p:ext>
     </p:extLst>
   </p:cSld>
@@ -349,7 +349,7 @@
           <p:cNvPr id="2" name="标题 1">
             <a:extLst>
               <a:ext uri="{FF2B5EF4-FFF2-40B4-BE49-F238E27FC236}">
-                <a16:creationId xmlns:a16="http://schemas.microsoft.com/office/drawing/2014/main" id="{0B4A8732-2F0A-5D0D-2E60-C2AD8BE494DA}"/>
+                <a16:creationId xmlns:a16="http://schemas.microsoft.com/office/drawing/2014/main" id="{3E5ECCA3-DA21-798D-4D81-3C5375CAFB86}"/>
               </a:ext>
             </a:extLst>
           </p:cNvPr>
@@ -377,7 +377,7 @@
           <p:cNvPr id="3" name="竖排文字占位符 2">
             <a:extLst>
               <a:ext uri="{FF2B5EF4-FFF2-40B4-BE49-F238E27FC236}">
-                <a16:creationId xmlns:a16="http://schemas.microsoft.com/office/drawing/2014/main" id="{5F0E717D-5D38-62A6-5056-67DA2EBABF5E}"/>
+                <a16:creationId xmlns:a16="http://schemas.microsoft.com/office/drawing/2014/main" id="{2F097C8F-1974-1D57-F5A9-2A65DFA370FF}"/>
               </a:ext>
             </a:extLst>
           </p:cNvPr>
@@ -434,7 +434,7 @@
           <p:cNvPr id="4" name="日期占位符 3">
             <a:extLst>
               <a:ext uri="{FF2B5EF4-FFF2-40B4-BE49-F238E27FC236}">
-                <a16:creationId xmlns:a16="http://schemas.microsoft.com/office/drawing/2014/main" id="{6696DBFF-1C33-5235-0451-7983961D0C7B}"/>
+                <a16:creationId xmlns:a16="http://schemas.microsoft.com/office/drawing/2014/main" id="{A73FD7E3-3A39-9AF1-C8A3-A18CFD78A04B}"/>
               </a:ext>
             </a:extLst>
           </p:cNvPr>
@@ -450,7 +450,7 @@
           <a:bodyPr/>
           <a:lstStyle/>
           <a:p>
-            <a:fld id="{17309549-A48A-46D3-AC66-5E791C29B253}" type="datetimeFigureOut">
+            <a:fld id="{DB4B7509-CB73-44FC-A0CD-3123838949C9}" type="datetimeFigureOut">
               <a:rPr lang="zh-CN" altLang="en-US" smtClean="0"/>
               <a:t>2024/3/10</a:t>
             </a:fld>
@@ -463,7 +463,7 @@
           <p:cNvPr id="5" name="页脚占位符 4">
             <a:extLst>
               <a:ext uri="{FF2B5EF4-FFF2-40B4-BE49-F238E27FC236}">
-                <a16:creationId xmlns:a16="http://schemas.microsoft.com/office/drawing/2014/main" id="{425BCEC0-9A03-E175-68BE-E6C7ADC2327C}"/>
+                <a16:creationId xmlns:a16="http://schemas.microsoft.com/office/drawing/2014/main" id="{26131C88-2D05-D769-962C-33610A1E6F35}"/>
               </a:ext>
             </a:extLst>
           </p:cNvPr>
@@ -488,7 +488,7 @@
           <p:cNvPr id="6" name="灯片编号占位符 5">
             <a:extLst>
               <a:ext uri="{FF2B5EF4-FFF2-40B4-BE49-F238E27FC236}">
-                <a16:creationId xmlns:a16="http://schemas.microsoft.com/office/drawing/2014/main" id="{92968403-9C23-A2E6-BBE0-3CAD6D4205C6}"/>
+                <a16:creationId xmlns:a16="http://schemas.microsoft.com/office/drawing/2014/main" id="{D066BCD1-2988-AFA8-4B25-FF5F2AAD053C}"/>
               </a:ext>
             </a:extLst>
           </p:cNvPr>
@@ -504,7 +504,7 @@
           <a:bodyPr/>
           <a:lstStyle/>
           <a:p>
-            <a:fld id="{E5F029BB-4562-4F41-8326-2234733A5676}" type="slidenum">
+            <a:fld id="{088016DA-C30C-4F99-A0F6-ACB817C6A9B5}" type="slidenum">
               <a:rPr lang="zh-CN" altLang="en-US" smtClean="0"/>
               <a:t>‹#›</a:t>
             </a:fld>
@@ -515,7 +515,7 @@
     </p:spTree>
     <p:extLst>
       <p:ext uri="{BB962C8B-B14F-4D97-AF65-F5344CB8AC3E}">
-        <p14:creationId xmlns:p14="http://schemas.microsoft.com/office/powerpoint/2010/main" val="1892470736"/>
+        <p14:creationId xmlns:p14="http://schemas.microsoft.com/office/powerpoint/2010/main" val="2817685845"/>
       </p:ext>
     </p:extLst>
   </p:cSld>
@@ -547,7 +547,7 @@
           <p:cNvPr id="2" name="竖排标题 1">
             <a:extLst>
               <a:ext uri="{FF2B5EF4-FFF2-40B4-BE49-F238E27FC236}">
-                <a16:creationId xmlns:a16="http://schemas.microsoft.com/office/drawing/2014/main" id="{BDF343FB-0CCA-E87C-3D4A-4BCF8674A719}"/>
+                <a16:creationId xmlns:a16="http://schemas.microsoft.com/office/drawing/2014/main" id="{C9AEDD81-30B0-405E-176E-533A9B6ECC1F}"/>
               </a:ext>
             </a:extLst>
           </p:cNvPr>
@@ -580,7 +580,7 @@
           <p:cNvPr id="3" name="竖排文字占位符 2">
             <a:extLst>
               <a:ext uri="{FF2B5EF4-FFF2-40B4-BE49-F238E27FC236}">
-                <a16:creationId xmlns:a16="http://schemas.microsoft.com/office/drawing/2014/main" id="{73DD0FD7-FFF7-D007-CE8E-AA6A40F33D1B}"/>
+                <a16:creationId xmlns:a16="http://schemas.microsoft.com/office/drawing/2014/main" id="{49FF2D83-E674-D790-4BF4-3289EFCD00B9}"/>
               </a:ext>
             </a:extLst>
           </p:cNvPr>
@@ -642,7 +642,7 @@
           <p:cNvPr id="4" name="日期占位符 3">
             <a:extLst>
               <a:ext uri="{FF2B5EF4-FFF2-40B4-BE49-F238E27FC236}">
-                <a16:creationId xmlns:a16="http://schemas.microsoft.com/office/drawing/2014/main" id="{C42B83C1-1C5F-BD1A-B9DC-6439729AC6E2}"/>
+                <a16:creationId xmlns:a16="http://schemas.microsoft.com/office/drawing/2014/main" id="{90F90D0A-99BF-86F7-AE32-731EC178E142}"/>
               </a:ext>
             </a:extLst>
           </p:cNvPr>
@@ -658,7 +658,7 @@
           <a:bodyPr/>
           <a:lstStyle/>
           <a:p>
-            <a:fld id="{17309549-A48A-46D3-AC66-5E791C29B253}" type="datetimeFigureOut">
+            <a:fld id="{DB4B7509-CB73-44FC-A0CD-3123838949C9}" type="datetimeFigureOut">
               <a:rPr lang="zh-CN" altLang="en-US" smtClean="0"/>
               <a:t>2024/3/10</a:t>
             </a:fld>
@@ -671,7 +671,7 @@
           <p:cNvPr id="5" name="页脚占位符 4">
             <a:extLst>
               <a:ext uri="{FF2B5EF4-FFF2-40B4-BE49-F238E27FC236}">
-                <a16:creationId xmlns:a16="http://schemas.microsoft.com/office/drawing/2014/main" id="{7561BE4B-7E5A-AE1D-C83C-F6C5B574AD49}"/>
+                <a16:creationId xmlns:a16="http://schemas.microsoft.com/office/drawing/2014/main" id="{62C4E6B2-CA4E-930B-17B7-CDEFFBA23ECE}"/>
               </a:ext>
             </a:extLst>
           </p:cNvPr>
@@ -696,7 +696,7 @@
           <p:cNvPr id="6" name="灯片编号占位符 5">
             <a:extLst>
               <a:ext uri="{FF2B5EF4-FFF2-40B4-BE49-F238E27FC236}">
-                <a16:creationId xmlns:a16="http://schemas.microsoft.com/office/drawing/2014/main" id="{1C1FC25E-6925-3ABA-D25C-5E50D616924C}"/>
+                <a16:creationId xmlns:a16="http://schemas.microsoft.com/office/drawing/2014/main" id="{1402EDCD-0CA5-7309-31DF-FAF2CFE71B21}"/>
               </a:ext>
             </a:extLst>
           </p:cNvPr>
@@ -712,7 +712,7 @@
           <a:bodyPr/>
           <a:lstStyle/>
           <a:p>
-            <a:fld id="{E5F029BB-4562-4F41-8326-2234733A5676}" type="slidenum">
+            <a:fld id="{088016DA-C30C-4F99-A0F6-ACB817C6A9B5}" type="slidenum">
               <a:rPr lang="zh-CN" altLang="en-US" smtClean="0"/>
               <a:t>‹#›</a:t>
             </a:fld>
@@ -723,7 +723,7 @@
     </p:spTree>
     <p:extLst>
       <p:ext uri="{BB962C8B-B14F-4D97-AF65-F5344CB8AC3E}">
-        <p14:creationId xmlns:p14="http://schemas.microsoft.com/office/powerpoint/2010/main" val="1455379109"/>
+        <p14:creationId xmlns:p14="http://schemas.microsoft.com/office/powerpoint/2010/main" val="2089310708"/>
       </p:ext>
     </p:extLst>
   </p:cSld>
@@ -755,7 +755,7 @@
           <p:cNvPr id="2" name="标题 1">
             <a:extLst>
               <a:ext uri="{FF2B5EF4-FFF2-40B4-BE49-F238E27FC236}">
-                <a16:creationId xmlns:a16="http://schemas.microsoft.com/office/drawing/2014/main" id="{BB4F2B13-76FC-8BED-E802-B4905209FC24}"/>
+                <a16:creationId xmlns:a16="http://schemas.microsoft.com/office/drawing/2014/main" id="{D4A72474-817D-9D16-A033-E7BE124081CE}"/>
               </a:ext>
             </a:extLst>
           </p:cNvPr>
@@ -783,7 +783,7 @@
           <p:cNvPr id="3" name="内容占位符 2">
             <a:extLst>
               <a:ext uri="{FF2B5EF4-FFF2-40B4-BE49-F238E27FC236}">
-                <a16:creationId xmlns:a16="http://schemas.microsoft.com/office/drawing/2014/main" id="{583FAE72-3918-5886-CB71-967CA77FB673}"/>
+                <a16:creationId xmlns:a16="http://schemas.microsoft.com/office/drawing/2014/main" id="{65625EEB-6217-9F22-63DD-BF1D957F6F18}"/>
               </a:ext>
             </a:extLst>
           </p:cNvPr>
@@ -840,7 +840,7 @@
           <p:cNvPr id="4" name="日期占位符 3">
             <a:extLst>
               <a:ext uri="{FF2B5EF4-FFF2-40B4-BE49-F238E27FC236}">
-                <a16:creationId xmlns:a16="http://schemas.microsoft.com/office/drawing/2014/main" id="{423EE264-F412-FB3D-B22A-0927B24B23ED}"/>
+                <a16:creationId xmlns:a16="http://schemas.microsoft.com/office/drawing/2014/main" id="{DC6C5ACC-2456-B327-F11F-51CBC5757FF7}"/>
               </a:ext>
             </a:extLst>
           </p:cNvPr>
@@ -856,7 +856,7 @@
           <a:bodyPr/>
           <a:lstStyle/>
           <a:p>
-            <a:fld id="{17309549-A48A-46D3-AC66-5E791C29B253}" type="datetimeFigureOut">
+            <a:fld id="{DB4B7509-CB73-44FC-A0CD-3123838949C9}" type="datetimeFigureOut">
               <a:rPr lang="zh-CN" altLang="en-US" smtClean="0"/>
               <a:t>2024/3/10</a:t>
             </a:fld>
@@ -869,7 +869,7 @@
           <p:cNvPr id="5" name="页脚占位符 4">
             <a:extLst>
               <a:ext uri="{FF2B5EF4-FFF2-40B4-BE49-F238E27FC236}">
-                <a16:creationId xmlns:a16="http://schemas.microsoft.com/office/drawing/2014/main" id="{07B90CC5-D400-C123-329B-E00FBBD1CDC6}"/>
+                <a16:creationId xmlns:a16="http://schemas.microsoft.com/office/drawing/2014/main" id="{D0365171-805C-BF30-D4F8-2D21BE40A4A1}"/>
               </a:ext>
             </a:extLst>
           </p:cNvPr>
@@ -894,7 +894,7 @@
           <p:cNvPr id="6" name="灯片编号占位符 5">
             <a:extLst>
               <a:ext uri="{FF2B5EF4-FFF2-40B4-BE49-F238E27FC236}">
-                <a16:creationId xmlns:a16="http://schemas.microsoft.com/office/drawing/2014/main" id="{6DC1571E-2D6A-2BC9-ADE0-6EAEB7AEDD2C}"/>
+                <a16:creationId xmlns:a16="http://schemas.microsoft.com/office/drawing/2014/main" id="{EDF8341B-E173-21F1-4951-AEB2F7045589}"/>
               </a:ext>
             </a:extLst>
           </p:cNvPr>
@@ -910,7 +910,7 @@
           <a:bodyPr/>
           <a:lstStyle/>
           <a:p>
-            <a:fld id="{E5F029BB-4562-4F41-8326-2234733A5676}" type="slidenum">
+            <a:fld id="{088016DA-C30C-4F99-A0F6-ACB817C6A9B5}" type="slidenum">
               <a:rPr lang="zh-CN" altLang="en-US" smtClean="0"/>
               <a:t>‹#›</a:t>
             </a:fld>
@@ -921,7 +921,7 @@
     </p:spTree>
     <p:extLst>
       <p:ext uri="{BB962C8B-B14F-4D97-AF65-F5344CB8AC3E}">
-        <p14:creationId xmlns:p14="http://schemas.microsoft.com/office/powerpoint/2010/main" val="1928643294"/>
+        <p14:creationId xmlns:p14="http://schemas.microsoft.com/office/powerpoint/2010/main" val="1489971465"/>
       </p:ext>
     </p:extLst>
   </p:cSld>
@@ -953,7 +953,7 @@
           <p:cNvPr id="2" name="标题 1">
             <a:extLst>
               <a:ext uri="{FF2B5EF4-FFF2-40B4-BE49-F238E27FC236}">
-                <a16:creationId xmlns:a16="http://schemas.microsoft.com/office/drawing/2014/main" id="{FC7CF127-1D93-30E1-65E0-C3C8BF28CF7C}"/>
+                <a16:creationId xmlns:a16="http://schemas.microsoft.com/office/drawing/2014/main" id="{D9BB2D9A-A1C6-85F5-E550-571EC00D22EC}"/>
               </a:ext>
             </a:extLst>
           </p:cNvPr>
@@ -990,7 +990,7 @@
           <p:cNvPr id="3" name="文本占位符 2">
             <a:extLst>
               <a:ext uri="{FF2B5EF4-FFF2-40B4-BE49-F238E27FC236}">
-                <a16:creationId xmlns:a16="http://schemas.microsoft.com/office/drawing/2014/main" id="{ACDF4E77-236E-6D3A-A431-AB741C3E22F7}"/>
+                <a16:creationId xmlns:a16="http://schemas.microsoft.com/office/drawing/2014/main" id="{30DF00F2-443A-CF18-A94C-4A52A2AB599E}"/>
               </a:ext>
             </a:extLst>
           </p:cNvPr>
@@ -1115,7 +1115,7 @@
           <p:cNvPr id="4" name="日期占位符 3">
             <a:extLst>
               <a:ext uri="{FF2B5EF4-FFF2-40B4-BE49-F238E27FC236}">
-                <a16:creationId xmlns:a16="http://schemas.microsoft.com/office/drawing/2014/main" id="{B1EFC7F3-D176-5C04-8817-1CDA4B091454}"/>
+                <a16:creationId xmlns:a16="http://schemas.microsoft.com/office/drawing/2014/main" id="{54B9F0C3-EA3D-D8B1-7090-6C8B3D16EB80}"/>
               </a:ext>
             </a:extLst>
           </p:cNvPr>
@@ -1131,7 +1131,7 @@
           <a:bodyPr/>
           <a:lstStyle/>
           <a:p>
-            <a:fld id="{17309549-A48A-46D3-AC66-5E791C29B253}" type="datetimeFigureOut">
+            <a:fld id="{DB4B7509-CB73-44FC-A0CD-3123838949C9}" type="datetimeFigureOut">
               <a:rPr lang="zh-CN" altLang="en-US" smtClean="0"/>
               <a:t>2024/3/10</a:t>
             </a:fld>
@@ -1144,7 +1144,7 @@
           <p:cNvPr id="5" name="页脚占位符 4">
             <a:extLst>
               <a:ext uri="{FF2B5EF4-FFF2-40B4-BE49-F238E27FC236}">
-                <a16:creationId xmlns:a16="http://schemas.microsoft.com/office/drawing/2014/main" id="{BF84F07B-174D-9F23-9EE7-B4EAEEEE7E67}"/>
+                <a16:creationId xmlns:a16="http://schemas.microsoft.com/office/drawing/2014/main" id="{80842DA1-C151-C374-6770-9A9DCCED02CE}"/>
               </a:ext>
             </a:extLst>
           </p:cNvPr>
@@ -1169,7 +1169,7 @@
           <p:cNvPr id="6" name="灯片编号占位符 5">
             <a:extLst>
               <a:ext uri="{FF2B5EF4-FFF2-40B4-BE49-F238E27FC236}">
-                <a16:creationId xmlns:a16="http://schemas.microsoft.com/office/drawing/2014/main" id="{71BEBE1F-7717-5195-AF95-E31C8F26C67B}"/>
+                <a16:creationId xmlns:a16="http://schemas.microsoft.com/office/drawing/2014/main" id="{F9D33576-5D1E-94E9-19E1-AF03C8D95C18}"/>
               </a:ext>
             </a:extLst>
           </p:cNvPr>
@@ -1185,7 +1185,7 @@
           <a:bodyPr/>
           <a:lstStyle/>
           <a:p>
-            <a:fld id="{E5F029BB-4562-4F41-8326-2234733A5676}" type="slidenum">
+            <a:fld id="{088016DA-C30C-4F99-A0F6-ACB817C6A9B5}" type="slidenum">
               <a:rPr lang="zh-CN" altLang="en-US" smtClean="0"/>
               <a:t>‹#›</a:t>
             </a:fld>
@@ -1196,7 +1196,7 @@
     </p:spTree>
     <p:extLst>
       <p:ext uri="{BB962C8B-B14F-4D97-AF65-F5344CB8AC3E}">
-        <p14:creationId xmlns:p14="http://schemas.microsoft.com/office/powerpoint/2010/main" val="155645288"/>
+        <p14:creationId xmlns:p14="http://schemas.microsoft.com/office/powerpoint/2010/main" val="2992321087"/>
       </p:ext>
     </p:extLst>
   </p:cSld>
@@ -1228,7 +1228,7 @@
           <p:cNvPr id="2" name="标题 1">
             <a:extLst>
               <a:ext uri="{FF2B5EF4-FFF2-40B4-BE49-F238E27FC236}">
-                <a16:creationId xmlns:a16="http://schemas.microsoft.com/office/drawing/2014/main" id="{24F3359F-039F-71DF-40F2-84DEA4661625}"/>
+                <a16:creationId xmlns:a16="http://schemas.microsoft.com/office/drawing/2014/main" id="{EDAF977C-185D-86FD-BA29-29198D624C8F}"/>
               </a:ext>
             </a:extLst>
           </p:cNvPr>
@@ -1256,7 +1256,7 @@
           <p:cNvPr id="3" name="内容占位符 2">
             <a:extLst>
               <a:ext uri="{FF2B5EF4-FFF2-40B4-BE49-F238E27FC236}">
-                <a16:creationId xmlns:a16="http://schemas.microsoft.com/office/drawing/2014/main" id="{CA81B000-EBF7-B6C2-7B31-62A190067B6D}"/>
+                <a16:creationId xmlns:a16="http://schemas.microsoft.com/office/drawing/2014/main" id="{3FC10183-A543-3B2B-46F2-CB4D04DBEA11}"/>
               </a:ext>
             </a:extLst>
           </p:cNvPr>
@@ -1318,7 +1318,7 @@
           <p:cNvPr id="4" name="内容占位符 3">
             <a:extLst>
               <a:ext uri="{FF2B5EF4-FFF2-40B4-BE49-F238E27FC236}">
-                <a16:creationId xmlns:a16="http://schemas.microsoft.com/office/drawing/2014/main" id="{F2C0C07F-F520-2A30-C70A-C600270236D8}"/>
+                <a16:creationId xmlns:a16="http://schemas.microsoft.com/office/drawing/2014/main" id="{29B9A671-7143-B541-D0DB-2A278D3A954F}"/>
               </a:ext>
             </a:extLst>
           </p:cNvPr>
@@ -1380,7 +1380,7 @@
           <p:cNvPr id="5" name="日期占位符 4">
             <a:extLst>
               <a:ext uri="{FF2B5EF4-FFF2-40B4-BE49-F238E27FC236}">
-                <a16:creationId xmlns:a16="http://schemas.microsoft.com/office/drawing/2014/main" id="{610F0B65-C738-C366-F826-BFBEFC90BF1A}"/>
+                <a16:creationId xmlns:a16="http://schemas.microsoft.com/office/drawing/2014/main" id="{FFF7557E-A42A-AD7F-A639-40A2A47F1D8C}"/>
               </a:ext>
             </a:extLst>
           </p:cNvPr>
@@ -1396,7 +1396,7 @@
           <a:bodyPr/>
           <a:lstStyle/>
           <a:p>
-            <a:fld id="{17309549-A48A-46D3-AC66-5E791C29B253}" type="datetimeFigureOut">
+            <a:fld id="{DB4B7509-CB73-44FC-A0CD-3123838949C9}" type="datetimeFigureOut">
               <a:rPr lang="zh-CN" altLang="en-US" smtClean="0"/>
               <a:t>2024/3/10</a:t>
             </a:fld>
@@ -1409,7 +1409,7 @@
           <p:cNvPr id="6" name="页脚占位符 5">
             <a:extLst>
               <a:ext uri="{FF2B5EF4-FFF2-40B4-BE49-F238E27FC236}">
-                <a16:creationId xmlns:a16="http://schemas.microsoft.com/office/drawing/2014/main" id="{FCCE387B-FF19-1BB6-8AC1-613C45B701A6}"/>
+                <a16:creationId xmlns:a16="http://schemas.microsoft.com/office/drawing/2014/main" id="{38F192EC-F4EA-4C85-50AD-F138973F3C86}"/>
               </a:ext>
             </a:extLst>
           </p:cNvPr>
@@ -1434,7 +1434,7 @@
           <p:cNvPr id="7" name="灯片编号占位符 6">
             <a:extLst>
               <a:ext uri="{FF2B5EF4-FFF2-40B4-BE49-F238E27FC236}">
-                <a16:creationId xmlns:a16="http://schemas.microsoft.com/office/drawing/2014/main" id="{11462597-F071-8F7C-4115-91D0ED548C0E}"/>
+                <a16:creationId xmlns:a16="http://schemas.microsoft.com/office/drawing/2014/main" id="{55817153-895D-BE49-6C62-0B36F5852CEA}"/>
               </a:ext>
             </a:extLst>
           </p:cNvPr>
@@ -1450,7 +1450,7 @@
           <a:bodyPr/>
           <a:lstStyle/>
           <a:p>
-            <a:fld id="{E5F029BB-4562-4F41-8326-2234733A5676}" type="slidenum">
+            <a:fld id="{088016DA-C30C-4F99-A0F6-ACB817C6A9B5}" type="slidenum">
               <a:rPr lang="zh-CN" altLang="en-US" smtClean="0"/>
               <a:t>‹#›</a:t>
             </a:fld>
@@ -1461,7 +1461,7 @@
     </p:spTree>
     <p:extLst>
       <p:ext uri="{BB962C8B-B14F-4D97-AF65-F5344CB8AC3E}">
-        <p14:creationId xmlns:p14="http://schemas.microsoft.com/office/powerpoint/2010/main" val="3129019478"/>
+        <p14:creationId xmlns:p14="http://schemas.microsoft.com/office/powerpoint/2010/main" val="1634088632"/>
       </p:ext>
     </p:extLst>
   </p:cSld>
@@ -1493,7 +1493,7 @@
           <p:cNvPr id="2" name="标题 1">
             <a:extLst>
               <a:ext uri="{FF2B5EF4-FFF2-40B4-BE49-F238E27FC236}">
-                <a16:creationId xmlns:a16="http://schemas.microsoft.com/office/drawing/2014/main" id="{60BC6E04-456C-7582-C877-D157F415C120}"/>
+                <a16:creationId xmlns:a16="http://schemas.microsoft.com/office/drawing/2014/main" id="{C31CC18C-8C5D-623A-A4EE-857340041934}"/>
               </a:ext>
             </a:extLst>
           </p:cNvPr>
@@ -1526,7 +1526,7 @@
           <p:cNvPr id="3" name="文本占位符 2">
             <a:extLst>
               <a:ext uri="{FF2B5EF4-FFF2-40B4-BE49-F238E27FC236}">
-                <a16:creationId xmlns:a16="http://schemas.microsoft.com/office/drawing/2014/main" id="{7716F9FE-D84A-671D-8909-2E4568D1178F}"/>
+                <a16:creationId xmlns:a16="http://schemas.microsoft.com/office/drawing/2014/main" id="{6CD123DE-67C0-5826-9A41-4950FA41B62D}"/>
               </a:ext>
             </a:extLst>
           </p:cNvPr>
@@ -1597,7 +1597,7 @@
           <p:cNvPr id="4" name="内容占位符 3">
             <a:extLst>
               <a:ext uri="{FF2B5EF4-FFF2-40B4-BE49-F238E27FC236}">
-                <a16:creationId xmlns:a16="http://schemas.microsoft.com/office/drawing/2014/main" id="{1A9F348C-D930-46B7-6B1B-0855D9FC3446}"/>
+                <a16:creationId xmlns:a16="http://schemas.microsoft.com/office/drawing/2014/main" id="{5BFF4A09-D99A-993E-DF87-516EC679DC2C}"/>
               </a:ext>
             </a:extLst>
           </p:cNvPr>
@@ -1659,7 +1659,7 @@
           <p:cNvPr id="5" name="文本占位符 4">
             <a:extLst>
               <a:ext uri="{FF2B5EF4-FFF2-40B4-BE49-F238E27FC236}">
-                <a16:creationId xmlns:a16="http://schemas.microsoft.com/office/drawing/2014/main" id="{1358E86E-41D4-CE2E-15E8-BFDB925CBF59}"/>
+                <a16:creationId xmlns:a16="http://schemas.microsoft.com/office/drawing/2014/main" id="{429F1C95-0602-FA44-A07E-DEEF59F5141B}"/>
               </a:ext>
             </a:extLst>
           </p:cNvPr>
@@ -1730,7 +1730,7 @@
           <p:cNvPr id="6" name="内容占位符 5">
             <a:extLst>
               <a:ext uri="{FF2B5EF4-FFF2-40B4-BE49-F238E27FC236}">
-                <a16:creationId xmlns:a16="http://schemas.microsoft.com/office/drawing/2014/main" id="{0E8313D5-153E-65FA-664D-E542487DA371}"/>
+                <a16:creationId xmlns:a16="http://schemas.microsoft.com/office/drawing/2014/main" id="{2E630FF5-0D75-950B-B4B6-55604895CCBE}"/>
               </a:ext>
             </a:extLst>
           </p:cNvPr>
@@ -1792,7 +1792,7 @@
           <p:cNvPr id="7" name="日期占位符 6">
             <a:extLst>
               <a:ext uri="{FF2B5EF4-FFF2-40B4-BE49-F238E27FC236}">
-                <a16:creationId xmlns:a16="http://schemas.microsoft.com/office/drawing/2014/main" id="{FEB7FDA5-9EDA-49F8-2EA0-6F490D02238E}"/>
+                <a16:creationId xmlns:a16="http://schemas.microsoft.com/office/drawing/2014/main" id="{30891FA8-329D-2CFA-5049-8D8604BAECB8}"/>
               </a:ext>
             </a:extLst>
           </p:cNvPr>
@@ -1808,7 +1808,7 @@
           <a:bodyPr/>
           <a:lstStyle/>
           <a:p>
-            <a:fld id="{17309549-A48A-46D3-AC66-5E791C29B253}" type="datetimeFigureOut">
+            <a:fld id="{DB4B7509-CB73-44FC-A0CD-3123838949C9}" type="datetimeFigureOut">
               <a:rPr lang="zh-CN" altLang="en-US" smtClean="0"/>
               <a:t>2024/3/10</a:t>
             </a:fld>
@@ -1821,7 +1821,7 @@
           <p:cNvPr id="8" name="页脚占位符 7">
             <a:extLst>
               <a:ext uri="{FF2B5EF4-FFF2-40B4-BE49-F238E27FC236}">
-                <a16:creationId xmlns:a16="http://schemas.microsoft.com/office/drawing/2014/main" id="{D9819549-866C-8EB7-46CD-3C8243092F96}"/>
+                <a16:creationId xmlns:a16="http://schemas.microsoft.com/office/drawing/2014/main" id="{E152B963-900F-5F32-F92A-2FE813083AF5}"/>
               </a:ext>
             </a:extLst>
           </p:cNvPr>
@@ -1846,7 +1846,7 @@
           <p:cNvPr id="9" name="灯片编号占位符 8">
             <a:extLst>
               <a:ext uri="{FF2B5EF4-FFF2-40B4-BE49-F238E27FC236}">
-                <a16:creationId xmlns:a16="http://schemas.microsoft.com/office/drawing/2014/main" id="{456D095B-219A-87CD-68A3-5BC621969F70}"/>
+                <a16:creationId xmlns:a16="http://schemas.microsoft.com/office/drawing/2014/main" id="{AF51156A-A8FA-66BA-4728-F4226B2959C5}"/>
               </a:ext>
             </a:extLst>
           </p:cNvPr>
@@ -1862,7 +1862,7 @@
           <a:bodyPr/>
           <a:lstStyle/>
           <a:p>
-            <a:fld id="{E5F029BB-4562-4F41-8326-2234733A5676}" type="slidenum">
+            <a:fld id="{088016DA-C30C-4F99-A0F6-ACB817C6A9B5}" type="slidenum">
               <a:rPr lang="zh-CN" altLang="en-US" smtClean="0"/>
               <a:t>‹#›</a:t>
             </a:fld>
@@ -1873,7 +1873,7 @@
     </p:spTree>
     <p:extLst>
       <p:ext uri="{BB962C8B-B14F-4D97-AF65-F5344CB8AC3E}">
-        <p14:creationId xmlns:p14="http://schemas.microsoft.com/office/powerpoint/2010/main" val="4214803881"/>
+        <p14:creationId xmlns:p14="http://schemas.microsoft.com/office/powerpoint/2010/main" val="1938901748"/>
       </p:ext>
     </p:extLst>
   </p:cSld>
@@ -1905,7 +1905,7 @@
           <p:cNvPr id="2" name="标题 1">
             <a:extLst>
               <a:ext uri="{FF2B5EF4-FFF2-40B4-BE49-F238E27FC236}">
-                <a16:creationId xmlns:a16="http://schemas.microsoft.com/office/drawing/2014/main" id="{3FC45927-D498-BF18-FB82-5188DE35F0AA}"/>
+                <a16:creationId xmlns:a16="http://schemas.microsoft.com/office/drawing/2014/main" id="{02A70B16-84AE-5883-6309-1705EA12D65B}"/>
               </a:ext>
             </a:extLst>
           </p:cNvPr>
@@ -1933,7 +1933,7 @@
           <p:cNvPr id="3" name="日期占位符 2">
             <a:extLst>
               <a:ext uri="{FF2B5EF4-FFF2-40B4-BE49-F238E27FC236}">
-                <a16:creationId xmlns:a16="http://schemas.microsoft.com/office/drawing/2014/main" id="{D4C59B07-DB2C-556F-EFEF-D4A69D0B0D20}"/>
+                <a16:creationId xmlns:a16="http://schemas.microsoft.com/office/drawing/2014/main" id="{CB3CA770-334E-E573-DB52-35FA0593B021}"/>
               </a:ext>
             </a:extLst>
           </p:cNvPr>
@@ -1949,7 +1949,7 @@
           <a:bodyPr/>
           <a:lstStyle/>
           <a:p>
-            <a:fld id="{17309549-A48A-46D3-AC66-5E791C29B253}" type="datetimeFigureOut">
+            <a:fld id="{DB4B7509-CB73-44FC-A0CD-3123838949C9}" type="datetimeFigureOut">
               <a:rPr lang="zh-CN" altLang="en-US" smtClean="0"/>
               <a:t>2024/3/10</a:t>
             </a:fld>
@@ -1962,7 +1962,7 @@
           <p:cNvPr id="4" name="页脚占位符 3">
             <a:extLst>
               <a:ext uri="{FF2B5EF4-FFF2-40B4-BE49-F238E27FC236}">
-                <a16:creationId xmlns:a16="http://schemas.microsoft.com/office/drawing/2014/main" id="{85F59CC7-62DE-276D-79B0-4191F95A4CDB}"/>
+                <a16:creationId xmlns:a16="http://schemas.microsoft.com/office/drawing/2014/main" id="{0DD0D58E-17D4-B567-7D9E-FBD608C1ECCB}"/>
               </a:ext>
             </a:extLst>
           </p:cNvPr>
@@ -1987,7 +1987,7 @@
           <p:cNvPr id="5" name="灯片编号占位符 4">
             <a:extLst>
               <a:ext uri="{FF2B5EF4-FFF2-40B4-BE49-F238E27FC236}">
-                <a16:creationId xmlns:a16="http://schemas.microsoft.com/office/drawing/2014/main" id="{6609FE51-15CC-EAF0-52C1-9CE26A780022}"/>
+                <a16:creationId xmlns:a16="http://schemas.microsoft.com/office/drawing/2014/main" id="{2A3F68A5-91D8-9849-9B2F-AA188094BCBA}"/>
               </a:ext>
             </a:extLst>
           </p:cNvPr>
@@ -2003,7 +2003,7 @@
           <a:bodyPr/>
           <a:lstStyle/>
           <a:p>
-            <a:fld id="{E5F029BB-4562-4F41-8326-2234733A5676}" type="slidenum">
+            <a:fld id="{088016DA-C30C-4F99-A0F6-ACB817C6A9B5}" type="slidenum">
               <a:rPr lang="zh-CN" altLang="en-US" smtClean="0"/>
               <a:t>‹#›</a:t>
             </a:fld>
@@ -2014,7 +2014,7 @@
     </p:spTree>
     <p:extLst>
       <p:ext uri="{BB962C8B-B14F-4D97-AF65-F5344CB8AC3E}">
-        <p14:creationId xmlns:p14="http://schemas.microsoft.com/office/powerpoint/2010/main" val="663681553"/>
+        <p14:creationId xmlns:p14="http://schemas.microsoft.com/office/powerpoint/2010/main" val="1050641645"/>
       </p:ext>
     </p:extLst>
   </p:cSld>
@@ -2046,7 +2046,7 @@
           <p:cNvPr id="2" name="日期占位符 1">
             <a:extLst>
               <a:ext uri="{FF2B5EF4-FFF2-40B4-BE49-F238E27FC236}">
-                <a16:creationId xmlns:a16="http://schemas.microsoft.com/office/drawing/2014/main" id="{D07C7CA4-3B21-79C1-E615-E0C5F4877EFE}"/>
+                <a16:creationId xmlns:a16="http://schemas.microsoft.com/office/drawing/2014/main" id="{A255B196-80F9-719B-C9EE-91226BDFA511}"/>
               </a:ext>
             </a:extLst>
           </p:cNvPr>
@@ -2062,7 +2062,7 @@
           <a:bodyPr/>
           <a:lstStyle/>
           <a:p>
-            <a:fld id="{17309549-A48A-46D3-AC66-5E791C29B253}" type="datetimeFigureOut">
+            <a:fld id="{DB4B7509-CB73-44FC-A0CD-3123838949C9}" type="datetimeFigureOut">
               <a:rPr lang="zh-CN" altLang="en-US" smtClean="0"/>
               <a:t>2024/3/10</a:t>
             </a:fld>
@@ -2075,7 +2075,7 @@
           <p:cNvPr id="3" name="页脚占位符 2">
             <a:extLst>
               <a:ext uri="{FF2B5EF4-FFF2-40B4-BE49-F238E27FC236}">
-                <a16:creationId xmlns:a16="http://schemas.microsoft.com/office/drawing/2014/main" id="{7E9A9122-9AC7-260D-4BE0-22AD3F24F8E1}"/>
+                <a16:creationId xmlns:a16="http://schemas.microsoft.com/office/drawing/2014/main" id="{E673F51B-7518-0AF4-4964-712BB91A3E9B}"/>
               </a:ext>
             </a:extLst>
           </p:cNvPr>
@@ -2100,7 +2100,7 @@
           <p:cNvPr id="4" name="灯片编号占位符 3">
             <a:extLst>
               <a:ext uri="{FF2B5EF4-FFF2-40B4-BE49-F238E27FC236}">
-                <a16:creationId xmlns:a16="http://schemas.microsoft.com/office/drawing/2014/main" id="{7C65346E-2D67-94AC-9CC5-3EB0DF95D5B0}"/>
+                <a16:creationId xmlns:a16="http://schemas.microsoft.com/office/drawing/2014/main" id="{15105488-83C5-8D23-F66B-6C2AE551AE04}"/>
               </a:ext>
             </a:extLst>
           </p:cNvPr>
@@ -2116,7 +2116,7 @@
           <a:bodyPr/>
           <a:lstStyle/>
           <a:p>
-            <a:fld id="{E5F029BB-4562-4F41-8326-2234733A5676}" type="slidenum">
+            <a:fld id="{088016DA-C30C-4F99-A0F6-ACB817C6A9B5}" type="slidenum">
               <a:rPr lang="zh-CN" altLang="en-US" smtClean="0"/>
               <a:t>‹#›</a:t>
             </a:fld>
@@ -2127,7 +2127,7 @@
     </p:spTree>
     <p:extLst>
       <p:ext uri="{BB962C8B-B14F-4D97-AF65-F5344CB8AC3E}">
-        <p14:creationId xmlns:p14="http://schemas.microsoft.com/office/powerpoint/2010/main" val="3158751558"/>
+        <p14:creationId xmlns:p14="http://schemas.microsoft.com/office/powerpoint/2010/main" val="2931928827"/>
       </p:ext>
     </p:extLst>
   </p:cSld>
@@ -2159,7 +2159,7 @@
           <p:cNvPr id="2" name="标题 1">
             <a:extLst>
               <a:ext uri="{FF2B5EF4-FFF2-40B4-BE49-F238E27FC236}">
-                <a16:creationId xmlns:a16="http://schemas.microsoft.com/office/drawing/2014/main" id="{86CA50F7-86E6-D919-0B40-537D9205EAFC}"/>
+                <a16:creationId xmlns:a16="http://schemas.microsoft.com/office/drawing/2014/main" id="{027AD2A5-FA14-EC12-7AC2-67622D13C893}"/>
               </a:ext>
             </a:extLst>
           </p:cNvPr>
@@ -2196,7 +2196,7 @@
           <p:cNvPr id="3" name="内容占位符 2">
             <a:extLst>
               <a:ext uri="{FF2B5EF4-FFF2-40B4-BE49-F238E27FC236}">
-                <a16:creationId xmlns:a16="http://schemas.microsoft.com/office/drawing/2014/main" id="{76FD23CE-316C-DA2C-458B-A47B441FD30B}"/>
+                <a16:creationId xmlns:a16="http://schemas.microsoft.com/office/drawing/2014/main" id="{50A26D38-29BC-65FB-578B-E290BE54E1B6}"/>
               </a:ext>
             </a:extLst>
           </p:cNvPr>
@@ -2286,7 +2286,7 @@
           <p:cNvPr id="4" name="文本占位符 3">
             <a:extLst>
               <a:ext uri="{FF2B5EF4-FFF2-40B4-BE49-F238E27FC236}">
-                <a16:creationId xmlns:a16="http://schemas.microsoft.com/office/drawing/2014/main" id="{51C09185-DF1A-470E-7409-BD486CE485CA}"/>
+                <a16:creationId xmlns:a16="http://schemas.microsoft.com/office/drawing/2014/main" id="{A8E51B64-B2A6-D33E-8AF6-FC546291CB7E}"/>
               </a:ext>
             </a:extLst>
           </p:cNvPr>
@@ -2357,7 +2357,7 @@
           <p:cNvPr id="5" name="日期占位符 4">
             <a:extLst>
               <a:ext uri="{FF2B5EF4-FFF2-40B4-BE49-F238E27FC236}">
-                <a16:creationId xmlns:a16="http://schemas.microsoft.com/office/drawing/2014/main" id="{274A5916-A87A-19C5-C5B9-29450412CF38}"/>
+                <a16:creationId xmlns:a16="http://schemas.microsoft.com/office/drawing/2014/main" id="{D0471AA3-77F2-0127-BC51-0889BA9804E0}"/>
               </a:ext>
             </a:extLst>
           </p:cNvPr>
@@ -2373,7 +2373,7 @@
           <a:bodyPr/>
           <a:lstStyle/>
           <a:p>
-            <a:fld id="{17309549-A48A-46D3-AC66-5E791C29B253}" type="datetimeFigureOut">
+            <a:fld id="{DB4B7509-CB73-44FC-A0CD-3123838949C9}" type="datetimeFigureOut">
               <a:rPr lang="zh-CN" altLang="en-US" smtClean="0"/>
               <a:t>2024/3/10</a:t>
             </a:fld>
@@ -2386,7 +2386,7 @@
           <p:cNvPr id="6" name="页脚占位符 5">
             <a:extLst>
               <a:ext uri="{FF2B5EF4-FFF2-40B4-BE49-F238E27FC236}">
-                <a16:creationId xmlns:a16="http://schemas.microsoft.com/office/drawing/2014/main" id="{A89E45D9-8A6E-3175-B977-7926B2997BC9}"/>
+                <a16:creationId xmlns:a16="http://schemas.microsoft.com/office/drawing/2014/main" id="{ACE287DE-FA87-8978-077B-CE514F880963}"/>
               </a:ext>
             </a:extLst>
           </p:cNvPr>
@@ -2411,7 +2411,7 @@
           <p:cNvPr id="7" name="灯片编号占位符 6">
             <a:extLst>
               <a:ext uri="{FF2B5EF4-FFF2-40B4-BE49-F238E27FC236}">
-                <a16:creationId xmlns:a16="http://schemas.microsoft.com/office/drawing/2014/main" id="{ABC42CFF-7132-67A4-084A-3B599B400D6A}"/>
+                <a16:creationId xmlns:a16="http://schemas.microsoft.com/office/drawing/2014/main" id="{9B7C0ADA-4437-E380-B781-3C3E19A88056}"/>
               </a:ext>
             </a:extLst>
           </p:cNvPr>
@@ -2427,7 +2427,7 @@
           <a:bodyPr/>
           <a:lstStyle/>
           <a:p>
-            <a:fld id="{E5F029BB-4562-4F41-8326-2234733A5676}" type="slidenum">
+            <a:fld id="{088016DA-C30C-4F99-A0F6-ACB817C6A9B5}" type="slidenum">
               <a:rPr lang="zh-CN" altLang="en-US" smtClean="0"/>
               <a:t>‹#›</a:t>
             </a:fld>
@@ -2438,7 +2438,7 @@
     </p:spTree>
     <p:extLst>
       <p:ext uri="{BB962C8B-B14F-4D97-AF65-F5344CB8AC3E}">
-        <p14:creationId xmlns:p14="http://schemas.microsoft.com/office/powerpoint/2010/main" val="183143276"/>
+        <p14:creationId xmlns:p14="http://schemas.microsoft.com/office/powerpoint/2010/main" val="3257114226"/>
       </p:ext>
     </p:extLst>
   </p:cSld>
@@ -2470,7 +2470,7 @@
           <p:cNvPr id="2" name="标题 1">
             <a:extLst>
               <a:ext uri="{FF2B5EF4-FFF2-40B4-BE49-F238E27FC236}">
-                <a16:creationId xmlns:a16="http://schemas.microsoft.com/office/drawing/2014/main" id="{41A2025F-5143-C05A-7F40-2A631CC6E281}"/>
+                <a16:creationId xmlns:a16="http://schemas.microsoft.com/office/drawing/2014/main" id="{2A55E091-C489-2B98-4A9D-EE99888A30FC}"/>
               </a:ext>
             </a:extLst>
           </p:cNvPr>
@@ -2507,7 +2507,7 @@
           <p:cNvPr id="3" name="图片占位符 2">
             <a:extLst>
               <a:ext uri="{FF2B5EF4-FFF2-40B4-BE49-F238E27FC236}">
-                <a16:creationId xmlns:a16="http://schemas.microsoft.com/office/drawing/2014/main" id="{AD670C26-D828-E151-F52D-F2DCB02AB1BE}"/>
+                <a16:creationId xmlns:a16="http://schemas.microsoft.com/office/drawing/2014/main" id="{DF83B193-8713-2B5E-3ECE-61C31836E31C}"/>
               </a:ext>
             </a:extLst>
           </p:cNvPr>
@@ -2574,7 +2574,7 @@
           <p:cNvPr id="4" name="文本占位符 3">
             <a:extLst>
               <a:ext uri="{FF2B5EF4-FFF2-40B4-BE49-F238E27FC236}">
-                <a16:creationId xmlns:a16="http://schemas.microsoft.com/office/drawing/2014/main" id="{F088B4AA-5B73-6498-01B6-7A3B57B22F07}"/>
+                <a16:creationId xmlns:a16="http://schemas.microsoft.com/office/drawing/2014/main" id="{444ACB8E-3CBD-B52C-ABCD-E9232BFA3BDC}"/>
               </a:ext>
             </a:extLst>
           </p:cNvPr>
@@ -2645,7 +2645,7 @@
           <p:cNvPr id="5" name="日期占位符 4">
             <a:extLst>
               <a:ext uri="{FF2B5EF4-FFF2-40B4-BE49-F238E27FC236}">
-                <a16:creationId xmlns:a16="http://schemas.microsoft.com/office/drawing/2014/main" id="{8A258CCF-1FF2-09A9-86FE-7E6B79B4C545}"/>
+                <a16:creationId xmlns:a16="http://schemas.microsoft.com/office/drawing/2014/main" id="{7161A5BD-95B0-7833-9318-05B3502C9193}"/>
               </a:ext>
             </a:extLst>
           </p:cNvPr>
@@ -2661,7 +2661,7 @@
           <a:bodyPr/>
           <a:lstStyle/>
           <a:p>
-            <a:fld id="{17309549-A48A-46D3-AC66-5E791C29B253}" type="datetimeFigureOut">
+            <a:fld id="{DB4B7509-CB73-44FC-A0CD-3123838949C9}" type="datetimeFigureOut">
               <a:rPr lang="zh-CN" altLang="en-US" smtClean="0"/>
               <a:t>2024/3/10</a:t>
             </a:fld>
@@ -2674,7 +2674,7 @@
           <p:cNvPr id="6" name="页脚占位符 5">
             <a:extLst>
               <a:ext uri="{FF2B5EF4-FFF2-40B4-BE49-F238E27FC236}">
-                <a16:creationId xmlns:a16="http://schemas.microsoft.com/office/drawing/2014/main" id="{BDA53AFD-71FE-70CB-9C13-22D79211EFF3}"/>
+                <a16:creationId xmlns:a16="http://schemas.microsoft.com/office/drawing/2014/main" id="{68C445CF-A711-23BD-7646-6B3A8BA655D6}"/>
               </a:ext>
             </a:extLst>
           </p:cNvPr>
@@ -2699,7 +2699,7 @@
           <p:cNvPr id="7" name="灯片编号占位符 6">
             <a:extLst>
               <a:ext uri="{FF2B5EF4-FFF2-40B4-BE49-F238E27FC236}">
-                <a16:creationId xmlns:a16="http://schemas.microsoft.com/office/drawing/2014/main" id="{BBFBD602-DFF7-F25A-EDFA-C0F39F5FAFEA}"/>
+                <a16:creationId xmlns:a16="http://schemas.microsoft.com/office/drawing/2014/main" id="{89E7AADD-E9C1-4CF7-43B6-D122A51A8E98}"/>
               </a:ext>
             </a:extLst>
           </p:cNvPr>
@@ -2715,7 +2715,7 @@
           <a:bodyPr/>
           <a:lstStyle/>
           <a:p>
-            <a:fld id="{E5F029BB-4562-4F41-8326-2234733A5676}" type="slidenum">
+            <a:fld id="{088016DA-C30C-4F99-A0F6-ACB817C6A9B5}" type="slidenum">
               <a:rPr lang="zh-CN" altLang="en-US" smtClean="0"/>
               <a:t>‹#›</a:t>
             </a:fld>
@@ -2726,7 +2726,7 @@
     </p:spTree>
     <p:extLst>
       <p:ext uri="{BB962C8B-B14F-4D97-AF65-F5344CB8AC3E}">
-        <p14:creationId xmlns:p14="http://schemas.microsoft.com/office/powerpoint/2010/main" val="637454770"/>
+        <p14:creationId xmlns:p14="http://schemas.microsoft.com/office/powerpoint/2010/main" val="1589002486"/>
       </p:ext>
     </p:extLst>
   </p:cSld>
@@ -2763,7 +2763,7 @@
           <p:cNvPr id="2" name="标题占位符 1">
             <a:extLst>
               <a:ext uri="{FF2B5EF4-FFF2-40B4-BE49-F238E27FC236}">
-                <a16:creationId xmlns:a16="http://schemas.microsoft.com/office/drawing/2014/main" id="{394D09D7-DC20-A198-AFBE-AC0970A71F07}"/>
+                <a16:creationId xmlns:a16="http://schemas.microsoft.com/office/drawing/2014/main" id="{B3A4B5F0-8BD9-E9D4-AB5B-54A1ED74DE07}"/>
               </a:ext>
             </a:extLst>
           </p:cNvPr>
@@ -2801,7 +2801,7 @@
           <p:cNvPr id="3" name="文本占位符 2">
             <a:extLst>
               <a:ext uri="{FF2B5EF4-FFF2-40B4-BE49-F238E27FC236}">
-                <a16:creationId xmlns:a16="http://schemas.microsoft.com/office/drawing/2014/main" id="{08F987DB-1912-2368-3D54-AFDB1B557684}"/>
+                <a16:creationId xmlns:a16="http://schemas.microsoft.com/office/drawing/2014/main" id="{DC3A497A-3D04-4AA5-040C-510D54FFA991}"/>
               </a:ext>
             </a:extLst>
           </p:cNvPr>
@@ -2868,7 +2868,7 @@
           <p:cNvPr id="4" name="日期占位符 3">
             <a:extLst>
               <a:ext uri="{FF2B5EF4-FFF2-40B4-BE49-F238E27FC236}">
-                <a16:creationId xmlns:a16="http://schemas.microsoft.com/office/drawing/2014/main" id="{6E91AAD4-F974-F247-7946-5F6D2C629B40}"/>
+                <a16:creationId xmlns:a16="http://schemas.microsoft.com/office/drawing/2014/main" id="{FF639880-B215-19F4-4A41-2834528947C2}"/>
               </a:ext>
             </a:extLst>
           </p:cNvPr>
@@ -2902,7 +2902,7 @@
             </a:lvl1pPr>
           </a:lstStyle>
           <a:p>
-            <a:fld id="{17309549-A48A-46D3-AC66-5E791C29B253}" type="datetimeFigureOut">
+            <a:fld id="{DB4B7509-CB73-44FC-A0CD-3123838949C9}" type="datetimeFigureOut">
               <a:rPr lang="zh-CN" altLang="en-US" smtClean="0"/>
               <a:t>2024/3/10</a:t>
             </a:fld>
@@ -2915,7 +2915,7 @@
           <p:cNvPr id="5" name="页脚占位符 4">
             <a:extLst>
               <a:ext uri="{FF2B5EF4-FFF2-40B4-BE49-F238E27FC236}">
-                <a16:creationId xmlns:a16="http://schemas.microsoft.com/office/drawing/2014/main" id="{24C61046-8746-BA89-137B-55D0B3753729}"/>
+                <a16:creationId xmlns:a16="http://schemas.microsoft.com/office/drawing/2014/main" id="{6A46397C-5F44-BDC9-070D-3096443EB2A7}"/>
               </a:ext>
             </a:extLst>
           </p:cNvPr>
@@ -2958,7 +2958,7 @@
           <p:cNvPr id="6" name="灯片编号占位符 5">
             <a:extLst>
               <a:ext uri="{FF2B5EF4-FFF2-40B4-BE49-F238E27FC236}">
-                <a16:creationId xmlns:a16="http://schemas.microsoft.com/office/drawing/2014/main" id="{9D41FB9A-E06A-0EBF-B606-30B66F86CDC6}"/>
+                <a16:creationId xmlns:a16="http://schemas.microsoft.com/office/drawing/2014/main" id="{1FE55FBE-1E39-CD7F-AE5E-0741B8977F97}"/>
               </a:ext>
             </a:extLst>
           </p:cNvPr>
@@ -2992,7 +2992,7 @@
             </a:lvl1pPr>
           </a:lstStyle>
           <a:p>
-            <a:fld id="{E5F029BB-4562-4F41-8326-2234733A5676}" type="slidenum">
+            <a:fld id="{088016DA-C30C-4F99-A0F6-ACB817C6A9B5}" type="slidenum">
               <a:rPr lang="zh-CN" altLang="en-US" smtClean="0"/>
               <a:t>‹#›</a:t>
             </a:fld>
@@ -3003,7 +3003,7 @@
     </p:spTree>
     <p:extLst>
       <p:ext uri="{BB962C8B-B14F-4D97-AF65-F5344CB8AC3E}">
-        <p14:creationId xmlns:p14="http://schemas.microsoft.com/office/powerpoint/2010/main" val="1584182012"/>
+        <p14:creationId xmlns:p14="http://schemas.microsoft.com/office/powerpoint/2010/main" val="653459968"/>
       </p:ext>
     </p:extLst>
   </p:cSld>
@@ -3323,7 +3323,7 @@
       </p:grpSpPr>
       <p:pic>
         <p:nvPicPr>
-          <p:cNvPr id="1426434" name="Picture 2" descr="1392"/>
+          <p:cNvPr id="1427458" name="Picture 2" descr="1393"/>
           <p:cNvPicPr>
             <a:picLocks noChangeAspect="1" noChangeArrowheads="1"/>
           </p:cNvPicPr>
@@ -3345,7 +3345,7 @@
         <p:spPr bwMode="auto">
           <a:xfrm>
             <a:off x="1524000" y="0"/>
-            <a:ext cx="9144000" cy="6858000"/>
+            <a:ext cx="9144000" cy="4508500"/>
           </a:xfrm>
           <a:prstGeom prst="rect">
             <a:avLst/>
@@ -3375,158 +3375,11 @@
           </a:extLst>
         </p:spPr>
       </p:pic>
-      <p:pic>
-        <p:nvPicPr>
-          <p:cNvPr id="1427459" name="Picture 3" descr="1392-2"/>
-          <p:cNvPicPr>
-            <a:picLocks noChangeAspect="1" noChangeArrowheads="1"/>
-          </p:cNvPicPr>
-          <p:nvPr/>
-        </p:nvPicPr>
-        <p:blipFill>
-          <a:blip r:embed="rId3">
-            <a:extLst>
-              <a:ext uri="{28A0092B-C50C-407E-A947-70E740481C1C}">
-                <a14:useLocalDpi xmlns:a14="http://schemas.microsoft.com/office/drawing/2010/main" val="0"/>
-              </a:ext>
-            </a:extLst>
-          </a:blip>
-          <a:srcRect/>
-          <a:stretch>
-            <a:fillRect/>
-          </a:stretch>
-        </p:blipFill>
-        <p:spPr bwMode="auto">
-          <a:xfrm>
-            <a:off x="1560513" y="-14288"/>
-            <a:ext cx="9144000" cy="6872288"/>
-          </a:xfrm>
-          <a:prstGeom prst="rect">
-            <a:avLst/>
-          </a:prstGeom>
-          <a:noFill/>
-          <a:ln>
-            <a:noFill/>
-          </a:ln>
-          <a:effectLst/>
-          <a:extLst>
-            <a:ext uri="{909E8E84-426E-40DD-AFC4-6F175D3DCCD1}">
-              <a14:hiddenFill xmlns:a14="http://schemas.microsoft.com/office/drawing/2010/main">
-                <a:solidFill>
-                  <a:srgbClr val="FFFFFF"/>
-                </a:solidFill>
-              </a14:hiddenFill>
-            </a:ext>
-            <a:ext uri="{91240B29-F687-4F45-9708-019B960494DF}">
-              <a14:hiddenLine xmlns:a14="http://schemas.microsoft.com/office/drawing/2010/main" w="9525">
-                <a:solidFill>
-                  <a:srgbClr val="000000"/>
-                </a:solidFill>
-                <a:miter lim="800000"/>
-                <a:headEnd/>
-                <a:tailEnd/>
-              </a14:hiddenLine>
-            </a:ext>
-            <a:ext uri="{AF507438-7753-43E0-B8FC-AC1667EBCBE1}">
-              <a14:hiddenEffects xmlns:a14="http://schemas.microsoft.com/office/drawing/2010/main">
-                <a:effectLst>
-                  <a:outerShdw dist="35921" dir="2700000" algn="ctr" rotWithShape="0">
-                    <a:srgbClr val="808080"/>
-                  </a:outerShdw>
-                </a:effectLst>
-              </a14:hiddenEffects>
-            </a:ext>
-          </a:extLst>
-        </p:spPr>
-      </p:pic>
     </p:spTree>
   </p:cSld>
   <p:clrMapOvr>
     <a:masterClrMapping/>
   </p:clrMapOvr>
-  <p:timing>
-    <p:tnLst>
-      <p:par>
-        <p:cTn id="1" dur="indefinite" restart="never" nodeType="tmRoot">
-          <p:childTnLst>
-            <p:seq concurrent="1" nextAc="seek">
-              <p:cTn id="2" dur="indefinite" nodeType="mainSeq">
-                <p:childTnLst>
-                  <p:par>
-                    <p:cTn id="3" fill="hold" nodeType="clickPar">
-                      <p:stCondLst>
-                        <p:cond delay="indefinite"/>
-                      </p:stCondLst>
-                      <p:childTnLst>
-                        <p:par>
-                          <p:cTn id="4" fill="hold" nodeType="withGroup">
-                            <p:stCondLst>
-                              <p:cond delay="0"/>
-                            </p:stCondLst>
-                            <p:childTnLst>
-                              <p:par>
-                                <p:cTn id="5" presetID="10" presetClass="entr" presetSubtype="0" fill="hold" nodeType="clickEffect">
-                                  <p:stCondLst>
-                                    <p:cond delay="0"/>
-                                  </p:stCondLst>
-                                  <p:childTnLst>
-                                    <p:set>
-                                      <p:cBhvr>
-                                        <p:cTn id="6" dur="1" fill="hold">
-                                          <p:stCondLst>
-                                            <p:cond delay="0"/>
-                                          </p:stCondLst>
-                                        </p:cTn>
-                                        <p:tgtEl>
-                                          <p:spTgt spid="1427459"/>
-                                        </p:tgtEl>
-                                        <p:attrNameLst>
-                                          <p:attrName>style.visibility</p:attrName>
-                                        </p:attrNameLst>
-                                      </p:cBhvr>
-                                      <p:to>
-                                        <p:strVal val="visible"/>
-                                      </p:to>
-                                    </p:set>
-                                    <p:animEffect transition="in" filter="fade">
-                                      <p:cBhvr>
-                                        <p:cTn id="7" dur="500"/>
-                                        <p:tgtEl>
-                                          <p:spTgt spid="1427459"/>
-                                        </p:tgtEl>
-                                      </p:cBhvr>
-                                    </p:animEffect>
-                                  </p:childTnLst>
-                                </p:cTn>
-                              </p:par>
-                            </p:childTnLst>
-                          </p:cTn>
-                        </p:par>
-                      </p:childTnLst>
-                    </p:cTn>
-                  </p:par>
-                </p:childTnLst>
-              </p:cTn>
-              <p:prevCondLst>
-                <p:cond evt="onPrev" delay="0">
-                  <p:tgtEl>
-                    <p:sldTgt/>
-                  </p:tgtEl>
-                </p:cond>
-              </p:prevCondLst>
-              <p:nextCondLst>
-                <p:cond evt="onNext" delay="0">
-                  <p:tgtEl>
-                    <p:sldTgt/>
-                  </p:tgtEl>
-                </p:cond>
-              </p:nextCondLst>
-            </p:seq>
-          </p:childTnLst>
-        </p:cTn>
-      </p:par>
-    </p:tnLst>
-  </p:timing>
 </p:sld>
 </file>
 
